--- a/十架七言.pptx
+++ b/十架七言.pptx
@@ -6,10 +6,11 @@
   </p:sldMasterIdLst>
   <p:sldIdLst>
     <p:sldId id="256" r:id="rId2"/>
-    <p:sldId id="257" r:id="rId3"/>
-    <p:sldId id="258" r:id="rId4"/>
+    <p:sldId id="259" r:id="rId3"/>
+    <p:sldId id="257" r:id="rId4"/>
+    <p:sldId id="258" r:id="rId5"/>
   </p:sldIdLst>
-  <p:sldSz cx="9144000" cy="6858000" type="screen4x3"/>
+  <p:sldSz cx="9144000" cy="5143500" type="screen16x9"/>
   <p:notesSz cx="6858000" cy="9144000"/>
   <p:defaultTextStyle>
     <a:defPPr>
@@ -134,8 +135,8 @@
         </p:nvSpPr>
         <p:spPr>
           <a:xfrm rot="10800000">
-            <a:off x="1" y="1520731"/>
-            <a:ext cx="9144000" cy="3435579"/>
+            <a:off x="1" y="1140549"/>
+            <a:ext cx="9144000" cy="2576684"/>
           </a:xfrm>
           <a:custGeom>
             <a:avLst/>
@@ -453,8 +454,8 @@
         </p:nvSpPr>
         <p:spPr>
           <a:xfrm>
-            <a:off x="502920" y="2775745"/>
-            <a:ext cx="8229600" cy="2167128"/>
+            <a:off x="502920" y="2081809"/>
+            <a:ext cx="8229600" cy="1625346"/>
           </a:xfrm>
         </p:spPr>
         <p:txBody>
@@ -496,8 +497,8 @@
         </p:nvSpPr>
         <p:spPr>
           <a:xfrm>
-            <a:off x="500064" y="1559720"/>
-            <a:ext cx="5105400" cy="1219200"/>
+            <a:off x="500064" y="1169790"/>
+            <a:ext cx="5105400" cy="914400"/>
           </a:xfrm>
         </p:spPr>
         <p:txBody>
@@ -562,7 +563,8 @@
           <a:p>
             <a:fld id="{AA3EFDAD-8D58-484B-A97B-284EE44F84CC}" type="datetimeFigureOut">
               <a:rPr lang="zh-TW" altLang="en-US" smtClean="0"/>
-              <a:t>2017/4/13</a:t>
+              <a:pPr/>
+              <a:t>2019/11/10</a:t>
             </a:fld>
             <a:endParaRPr lang="zh-TW" altLang="en-US"/>
           </a:p>
@@ -604,6 +606,7 @@
           <a:p>
             <a:fld id="{174ADB98-5765-4CA6-840E-7AE860AE7BB3}" type="slidenum">
               <a:rPr lang="zh-TW" altLang="en-US" smtClean="0"/>
+              <a:pPr/>
               <a:t>‹#›</a:t>
             </a:fld>
             <a:endParaRPr lang="zh-TW" altLang="en-US"/>
@@ -727,7 +730,8 @@
           <a:p>
             <a:fld id="{AA3EFDAD-8D58-484B-A97B-284EE44F84CC}" type="datetimeFigureOut">
               <a:rPr lang="zh-TW" altLang="en-US" smtClean="0"/>
-              <a:t>2017/4/13</a:t>
+              <a:pPr/>
+              <a:t>2019/11/10</a:t>
             </a:fld>
             <a:endParaRPr lang="zh-TW" altLang="en-US"/>
           </a:p>
@@ -769,6 +773,7 @@
           <a:p>
             <a:fld id="{174ADB98-5765-4CA6-840E-7AE860AE7BB3}" type="slidenum">
               <a:rPr lang="zh-TW" altLang="en-US" smtClean="0"/>
+              <a:pPr/>
               <a:t>‹#›</a:t>
             </a:fld>
             <a:endParaRPr lang="zh-TW" altLang="en-US"/>
@@ -812,8 +817,8 @@
         </p:nvSpPr>
         <p:spPr>
           <a:xfrm>
-            <a:off x="6629400" y="274638"/>
-            <a:ext cx="2057400" cy="5851525"/>
+            <a:off x="6629400" y="205979"/>
+            <a:ext cx="2057400" cy="4388644"/>
           </a:xfrm>
         </p:spPr>
         <p:txBody>
@@ -840,8 +845,8 @@
         </p:nvSpPr>
         <p:spPr>
           <a:xfrm>
-            <a:off x="457200" y="274638"/>
-            <a:ext cx="6019800" cy="5851525"/>
+            <a:off x="457200" y="205979"/>
+            <a:ext cx="6019800" cy="4388644"/>
           </a:xfrm>
         </p:spPr>
         <p:txBody>
@@ -902,7 +907,8 @@
           <a:p>
             <a:fld id="{AA3EFDAD-8D58-484B-A97B-284EE44F84CC}" type="datetimeFigureOut">
               <a:rPr lang="zh-TW" altLang="en-US" smtClean="0"/>
-              <a:t>2017/4/13</a:t>
+              <a:pPr/>
+              <a:t>2019/11/10</a:t>
             </a:fld>
             <a:endParaRPr lang="zh-TW" altLang="en-US"/>
           </a:p>
@@ -944,6 +950,7 @@
           <a:p>
             <a:fld id="{174ADB98-5765-4CA6-840E-7AE860AE7BB3}" type="slidenum">
               <a:rPr lang="zh-TW" altLang="en-US" smtClean="0"/>
+              <a:pPr/>
               <a:t>‹#›</a:t>
             </a:fld>
             <a:endParaRPr lang="zh-TW" altLang="en-US"/>
@@ -1067,7 +1074,8 @@
           <a:p>
             <a:fld id="{AA3EFDAD-8D58-484B-A97B-284EE44F84CC}" type="datetimeFigureOut">
               <a:rPr lang="zh-TW" altLang="en-US" smtClean="0"/>
-              <a:t>2017/4/13</a:t>
+              <a:pPr/>
+              <a:t>2019/11/10</a:t>
             </a:fld>
             <a:endParaRPr lang="zh-TW" altLang="en-US"/>
           </a:p>
@@ -1109,6 +1117,7 @@
           <a:p>
             <a:fld id="{174ADB98-5765-4CA6-840E-7AE860AE7BB3}" type="slidenum">
               <a:rPr lang="zh-TW" altLang="en-US" smtClean="0"/>
+              <a:pPr/>
               <a:t>‹#›</a:t>
             </a:fld>
             <a:endParaRPr lang="zh-TW" altLang="en-US"/>
@@ -1152,8 +1161,8 @@
         </p:nvSpPr>
         <p:spPr>
           <a:xfrm>
-            <a:off x="722376" y="990600"/>
-            <a:ext cx="7772400" cy="1362456"/>
+            <a:off x="722376" y="742950"/>
+            <a:ext cx="7772400" cy="1021842"/>
           </a:xfrm>
         </p:spPr>
         <p:txBody>
@@ -1187,8 +1196,8 @@
         </p:nvSpPr>
         <p:spPr>
           <a:xfrm>
-            <a:off x="722313" y="2352677"/>
-            <a:ext cx="7772400" cy="1509712"/>
+            <a:off x="722313" y="1764508"/>
+            <a:ext cx="7772400" cy="1132284"/>
           </a:xfrm>
         </p:spPr>
         <p:txBody>
@@ -1269,7 +1278,8 @@
           <a:p>
             <a:fld id="{AA3EFDAD-8D58-484B-A97B-284EE44F84CC}" type="datetimeFigureOut">
               <a:rPr lang="zh-TW" altLang="en-US" smtClean="0"/>
-              <a:t>2017/4/13</a:t>
+              <a:pPr/>
+              <a:t>2019/11/10</a:t>
             </a:fld>
             <a:endParaRPr lang="zh-TW" altLang="en-US"/>
           </a:p>
@@ -1311,6 +1321,7 @@
           <a:p>
             <a:fld id="{174ADB98-5765-4CA6-840E-7AE860AE7BB3}" type="slidenum">
               <a:rPr lang="zh-TW" altLang="en-US" smtClean="0"/>
+              <a:pPr/>
               <a:t>‹#›</a:t>
             </a:fld>
             <a:endParaRPr lang="zh-TW" altLang="en-US"/>
@@ -1354,8 +1365,8 @@
         </p:nvSpPr>
         <p:spPr>
           <a:xfrm>
-            <a:off x="457200" y="914400"/>
-            <a:ext cx="8229600" cy="1143000"/>
+            <a:off x="457200" y="685800"/>
+            <a:ext cx="8229600" cy="857250"/>
           </a:xfrm>
         </p:spPr>
         <p:txBody>
@@ -1382,8 +1393,8 @@
         </p:nvSpPr>
         <p:spPr>
           <a:xfrm>
-            <a:off x="457200" y="2199800"/>
-            <a:ext cx="4038600" cy="4160520"/>
+            <a:off x="457200" y="1649850"/>
+            <a:ext cx="4038600" cy="3120390"/>
           </a:xfrm>
         </p:spPr>
         <p:txBody>
@@ -1455,8 +1466,8 @@
         </p:nvSpPr>
         <p:spPr>
           <a:xfrm>
-            <a:off x="4648200" y="2199800"/>
-            <a:ext cx="4038600" cy="4160520"/>
+            <a:off x="4648200" y="1649850"/>
+            <a:ext cx="4038600" cy="3120390"/>
           </a:xfrm>
         </p:spPr>
         <p:txBody>
@@ -1533,7 +1544,8 @@
           <a:p>
             <a:fld id="{AA3EFDAD-8D58-484B-A97B-284EE44F84CC}" type="datetimeFigureOut">
               <a:rPr lang="zh-TW" altLang="en-US" smtClean="0"/>
-              <a:t>2017/4/13</a:t>
+              <a:pPr/>
+              <a:t>2019/11/10</a:t>
             </a:fld>
             <a:endParaRPr lang="zh-TW" altLang="en-US"/>
           </a:p>
@@ -1575,6 +1587,7 @@
           <a:p>
             <a:fld id="{174ADB98-5765-4CA6-840E-7AE860AE7BB3}" type="slidenum">
               <a:rPr lang="zh-TW" altLang="en-US" smtClean="0"/>
+              <a:pPr/>
               <a:t>‹#›</a:t>
             </a:fld>
             <a:endParaRPr lang="zh-TW" altLang="en-US"/>
@@ -1618,8 +1631,8 @@
         </p:nvSpPr>
         <p:spPr>
           <a:xfrm>
-            <a:off x="457200" y="914400"/>
-            <a:ext cx="8229600" cy="1143000"/>
+            <a:off x="457200" y="685800"/>
+            <a:ext cx="8229600" cy="857250"/>
           </a:xfrm>
         </p:spPr>
         <p:txBody>
@@ -1650,8 +1663,8 @@
         </p:nvSpPr>
         <p:spPr>
           <a:xfrm>
-            <a:off x="457200" y="2112168"/>
-            <a:ext cx="4040188" cy="502920"/>
+            <a:off x="457200" y="1584126"/>
+            <a:ext cx="4040188" cy="377190"/>
           </a:xfrm>
         </p:spPr>
         <p:txBody>
@@ -1711,8 +1724,8 @@
         </p:nvSpPr>
         <p:spPr>
           <a:xfrm>
-            <a:off x="4645025" y="2112168"/>
-            <a:ext cx="4041775" cy="502920"/>
+            <a:off x="4645026" y="1584126"/>
+            <a:ext cx="4041775" cy="377190"/>
           </a:xfrm>
         </p:spPr>
         <p:txBody>
@@ -1772,8 +1785,8 @@
         </p:nvSpPr>
         <p:spPr>
           <a:xfrm>
-            <a:off x="457200" y="2667000"/>
-            <a:ext cx="4040188" cy="3657600"/>
+            <a:off x="457200" y="2000250"/>
+            <a:ext cx="4040188" cy="2743200"/>
           </a:xfrm>
         </p:spPr>
         <p:txBody>
@@ -1845,8 +1858,8 @@
         </p:nvSpPr>
         <p:spPr>
           <a:xfrm>
-            <a:off x="4645025" y="2667000"/>
-            <a:ext cx="4041775" cy="3657600"/>
+            <a:off x="4645026" y="2000250"/>
+            <a:ext cx="4041775" cy="2743200"/>
           </a:xfrm>
         </p:spPr>
         <p:txBody>
@@ -1923,7 +1936,8 @@
           <a:p>
             <a:fld id="{AA3EFDAD-8D58-484B-A97B-284EE44F84CC}" type="datetimeFigureOut">
               <a:rPr lang="zh-TW" altLang="en-US" smtClean="0"/>
-              <a:t>2017/4/13</a:t>
+              <a:pPr/>
+              <a:t>2019/11/10</a:t>
             </a:fld>
             <a:endParaRPr lang="zh-TW" altLang="en-US"/>
           </a:p>
@@ -1965,6 +1979,7 @@
           <a:p>
             <a:fld id="{174ADB98-5765-4CA6-840E-7AE860AE7BB3}" type="slidenum">
               <a:rPr lang="zh-TW" altLang="en-US" smtClean="0"/>
+              <a:pPr/>
               <a:t>‹#›</a:t>
             </a:fld>
             <a:endParaRPr lang="zh-TW" altLang="en-US"/>
@@ -2008,8 +2023,8 @@
         </p:nvSpPr>
         <p:spPr>
           <a:xfrm>
-            <a:off x="457200" y="914400"/>
-            <a:ext cx="8229600" cy="1143000"/>
+            <a:off x="457200" y="685800"/>
+            <a:ext cx="8229600" cy="857250"/>
           </a:xfrm>
           <a:effectLst/>
         </p:spPr>
@@ -2056,7 +2071,8 @@
           <a:p>
             <a:fld id="{AA3EFDAD-8D58-484B-A97B-284EE44F84CC}" type="datetimeFigureOut">
               <a:rPr lang="zh-TW" altLang="en-US" smtClean="0"/>
-              <a:t>2017/4/13</a:t>
+              <a:pPr/>
+              <a:t>2019/11/10</a:t>
             </a:fld>
             <a:endParaRPr lang="zh-TW" altLang="en-US"/>
           </a:p>
@@ -2098,6 +2114,7 @@
           <a:p>
             <a:fld id="{174ADB98-5765-4CA6-840E-7AE860AE7BB3}" type="slidenum">
               <a:rPr lang="zh-TW" altLang="en-US" smtClean="0"/>
+              <a:pPr/>
               <a:t>‹#›</a:t>
             </a:fld>
             <a:endParaRPr lang="zh-TW" altLang="en-US"/>
@@ -2146,7 +2163,8 @@
           <a:p>
             <a:fld id="{AA3EFDAD-8D58-484B-A97B-284EE44F84CC}" type="datetimeFigureOut">
               <a:rPr lang="zh-TW" altLang="en-US" smtClean="0"/>
-              <a:t>2017/4/13</a:t>
+              <a:pPr/>
+              <a:t>2019/11/10</a:t>
             </a:fld>
             <a:endParaRPr lang="zh-TW" altLang="en-US"/>
           </a:p>
@@ -2188,6 +2206,7 @@
           <a:p>
             <a:fld id="{174ADB98-5765-4CA6-840E-7AE860AE7BB3}" type="slidenum">
               <a:rPr lang="zh-TW" altLang="en-US" smtClean="0"/>
+              <a:pPr/>
               <a:t>‹#›</a:t>
             </a:fld>
             <a:endParaRPr lang="zh-TW" altLang="en-US"/>
@@ -2231,8 +2250,8 @@
         </p:nvSpPr>
         <p:spPr>
           <a:xfrm>
-            <a:off x="457200" y="71440"/>
-            <a:ext cx="8229600" cy="914400"/>
+            <a:off x="457200" y="53580"/>
+            <a:ext cx="8229600" cy="685800"/>
           </a:xfrm>
         </p:spPr>
         <p:txBody>
@@ -2264,8 +2283,8 @@
         </p:nvSpPr>
         <p:spPr>
           <a:xfrm>
-            <a:off x="457200" y="1133856"/>
-            <a:ext cx="2590800" cy="5181600"/>
+            <a:off x="457200" y="850392"/>
+            <a:ext cx="2590800" cy="3886200"/>
           </a:xfrm>
         </p:spPr>
         <p:txBody>
@@ -2316,8 +2335,8 @@
         </p:nvSpPr>
         <p:spPr>
           <a:xfrm>
-            <a:off x="3429000" y="1133472"/>
-            <a:ext cx="5257800" cy="5191128"/>
+            <a:off x="3429000" y="850104"/>
+            <a:ext cx="5257800" cy="3893346"/>
           </a:xfrm>
         </p:spPr>
         <p:txBody>
@@ -2394,7 +2413,8 @@
           <a:p>
             <a:fld id="{AA3EFDAD-8D58-484B-A97B-284EE44F84CC}" type="datetimeFigureOut">
               <a:rPr lang="zh-TW" altLang="en-US" smtClean="0"/>
-              <a:t>2017/4/13</a:t>
+              <a:pPr/>
+              <a:t>2019/11/10</a:t>
             </a:fld>
             <a:endParaRPr lang="zh-TW" altLang="en-US"/>
           </a:p>
@@ -2436,6 +2456,7 @@
           <a:p>
             <a:fld id="{174ADB98-5765-4CA6-840E-7AE860AE7BB3}" type="slidenum">
               <a:rPr lang="zh-TW" altLang="en-US" smtClean="0"/>
+              <a:pPr/>
               <a:t>‹#›</a:t>
             </a:fld>
             <a:endParaRPr lang="zh-TW" altLang="en-US"/>
@@ -2479,8 +2500,8 @@
         </p:nvSpPr>
         <p:spPr>
           <a:xfrm>
-            <a:off x="376240" y="1981200"/>
-            <a:ext cx="3429000" cy="522288"/>
+            <a:off x="376240" y="1485900"/>
+            <a:ext cx="3429000" cy="391716"/>
           </a:xfrm>
         </p:spPr>
         <p:txBody>
@@ -2512,8 +2533,8 @@
         </p:nvSpPr>
         <p:spPr>
           <a:xfrm>
-            <a:off x="4093368" y="1066800"/>
-            <a:ext cx="4572000" cy="4572000"/>
+            <a:off x="4093368" y="800100"/>
+            <a:ext cx="4572000" cy="3429000"/>
           </a:xfrm>
           <a:solidFill>
             <a:schemeClr val="bg2">
@@ -2564,8 +2585,8 @@
         </p:nvSpPr>
         <p:spPr>
           <a:xfrm>
-            <a:off x="376240" y="2543176"/>
-            <a:ext cx="3429000" cy="914400"/>
+            <a:off x="376240" y="1907382"/>
+            <a:ext cx="3429000" cy="685800"/>
           </a:xfrm>
         </p:spPr>
         <p:txBody>
@@ -2626,7 +2647,8 @@
           <a:p>
             <a:fld id="{AA3EFDAD-8D58-484B-A97B-284EE44F84CC}" type="datetimeFigureOut">
               <a:rPr lang="zh-TW" altLang="en-US" smtClean="0"/>
-              <a:t>2017/4/13</a:t>
+              <a:pPr/>
+              <a:t>2019/11/10</a:t>
             </a:fld>
             <a:endParaRPr lang="zh-TW" altLang="en-US"/>
           </a:p>
@@ -2663,8 +2685,8 @@
         </p:nvSpPr>
         <p:spPr>
           <a:xfrm>
-            <a:off x="8153400" y="6356350"/>
-            <a:ext cx="533400" cy="365125"/>
+            <a:off x="8153400" y="4767263"/>
+            <a:ext cx="533400" cy="273844"/>
           </a:xfrm>
         </p:spPr>
         <p:txBody>
@@ -2673,6 +2695,7 @@
           <a:p>
             <a:fld id="{174ADB98-5765-4CA6-840E-7AE860AE7BB3}" type="slidenum">
               <a:rPr lang="zh-TW" altLang="en-US" smtClean="0"/>
+              <a:pPr/>
               <a:t>‹#›</a:t>
             </a:fld>
             <a:endParaRPr lang="zh-TW" altLang="en-US"/>
@@ -2717,8 +2740,8 @@
         </p:nvSpPr>
         <p:spPr>
           <a:xfrm rot="10800000">
-            <a:off x="1" y="1142899"/>
-            <a:ext cx="9144000" cy="5562705"/>
+            <a:off x="1" y="857174"/>
+            <a:ext cx="9144000" cy="4172029"/>
           </a:xfrm>
           <a:custGeom>
             <a:avLst/>
@@ -3007,8 +3030,8 @@
         </p:nvSpPr>
         <p:spPr>
           <a:xfrm rot="10800000">
-            <a:off x="1" y="1341133"/>
-            <a:ext cx="9144000" cy="4480425"/>
+            <a:off x="1" y="1005850"/>
+            <a:ext cx="9144000" cy="3360319"/>
           </a:xfrm>
           <a:custGeom>
             <a:avLst/>
@@ -3426,8 +3449,8 @@
         </p:nvSpPr>
         <p:spPr>
           <a:xfrm>
-            <a:off x="457200" y="533400"/>
-            <a:ext cx="8229600" cy="1524000"/>
+            <a:off x="457200" y="400050"/>
+            <a:ext cx="8229600" cy="1143000"/>
           </a:xfrm>
           <a:prstGeom prst="rect">
             <a:avLst/>
@@ -3459,8 +3482,8 @@
         </p:nvSpPr>
         <p:spPr>
           <a:xfrm>
-            <a:off x="457200" y="2179637"/>
-            <a:ext cx="8229600" cy="4114800"/>
+            <a:off x="457200" y="1634728"/>
+            <a:ext cx="8229600" cy="3086100"/>
           </a:xfrm>
           <a:prstGeom prst="rect">
             <a:avLst/>
@@ -3521,8 +3544,8 @@
         </p:nvSpPr>
         <p:spPr>
           <a:xfrm>
-            <a:off x="457200" y="6356350"/>
-            <a:ext cx="1981200" cy="365125"/>
+            <a:off x="457200" y="4767263"/>
+            <a:ext cx="1981200" cy="273844"/>
           </a:xfrm>
           <a:prstGeom prst="rect">
             <a:avLst/>
@@ -3544,7 +3567,8 @@
           <a:p>
             <a:fld id="{AA3EFDAD-8D58-484B-A97B-284EE44F84CC}" type="datetimeFigureOut">
               <a:rPr lang="zh-TW" altLang="en-US" smtClean="0"/>
-              <a:t>2017/4/13</a:t>
+              <a:pPr/>
+              <a:t>2019/11/10</a:t>
             </a:fld>
             <a:endParaRPr lang="zh-TW" altLang="en-US"/>
           </a:p>
@@ -3562,8 +3586,8 @@
         </p:nvSpPr>
         <p:spPr>
           <a:xfrm>
-            <a:off x="2438400" y="6356350"/>
-            <a:ext cx="2895600" cy="365125"/>
+            <a:off x="2438400" y="4767263"/>
+            <a:ext cx="2895600" cy="273844"/>
           </a:xfrm>
           <a:prstGeom prst="rect">
             <a:avLst/>
@@ -3599,8 +3623,8 @@
         </p:nvSpPr>
         <p:spPr>
           <a:xfrm>
-            <a:off x="8153400" y="6356350"/>
-            <a:ext cx="533400" cy="365125"/>
+            <a:off x="8153400" y="4767263"/>
+            <a:ext cx="533400" cy="273844"/>
           </a:xfrm>
           <a:prstGeom prst="rect">
             <a:avLst/>
@@ -3622,6 +3646,7 @@
           <a:p>
             <a:fld id="{174ADB98-5765-4CA6-840E-7AE860AE7BB3}" type="slidenum">
               <a:rPr lang="zh-TW" altLang="en-US" smtClean="0"/>
+              <a:pPr/>
               <a:t>‹#›</a:t>
             </a:fld>
             <a:endParaRPr lang="zh-TW" altLang="en-US"/>
@@ -3972,7 +3997,7 @@
         <p:spPr>
           <a:xfrm>
             <a:off x="500034" y="0"/>
-            <a:ext cx="8229600" cy="1143000"/>
+            <a:ext cx="8229600" cy="857250"/>
           </a:xfrm>
         </p:spPr>
         <p:txBody>
@@ -4005,8 +4030,8 @@
         </p:nvSpPr>
         <p:spPr>
           <a:xfrm>
-            <a:off x="0" y="1000109"/>
-            <a:ext cx="9144000" cy="5857892"/>
+            <a:off x="0" y="750082"/>
+            <a:ext cx="9144000" cy="4393419"/>
           </a:xfrm>
         </p:spPr>
         <p:txBody>
@@ -4035,68 +4060,6 @@
                 <a:ea typeface="標楷體" pitchFamily="65" charset="-120"/>
               </a:rPr>
               <a:t>啊，赦免他們，因為他們所作的，他們不曉得</a:t>
-            </a:r>
-            <a:r>
-              <a:rPr lang="zh-TW" altLang="en-US" sz="6000" dirty="0" smtClean="0">
-                <a:latin typeface="標楷體" pitchFamily="65" charset="-120"/>
-                <a:ea typeface="標楷體" pitchFamily="65" charset="-120"/>
-              </a:rPr>
-              <a:t>」</a:t>
-            </a:r>
-            <a:endParaRPr lang="zh-TW" altLang="en-US" sz="6000" dirty="0">
-              <a:latin typeface="標楷體" pitchFamily="65" charset="-120"/>
-              <a:ea typeface="標楷體" pitchFamily="65" charset="-120"/>
-            </a:endParaRPr>
-          </a:p>
-          <a:p>
-            <a:r>
-              <a:rPr lang="zh-CN" altLang="en-US" sz="6000" dirty="0" smtClean="0">
-                <a:latin typeface="標楷體" pitchFamily="65" charset="-120"/>
-                <a:ea typeface="標楷體" pitchFamily="65" charset="-120"/>
-              </a:rPr>
-              <a:t>第二言：</a:t>
-            </a:r>
-            <a:r>
-              <a:rPr lang="zh-TW" altLang="en-US" sz="6000" dirty="0" smtClean="0">
-                <a:latin typeface="標楷體" pitchFamily="65" charset="-120"/>
-                <a:ea typeface="標楷體" pitchFamily="65" charset="-120"/>
-              </a:rPr>
-              <a:t>「</a:t>
-            </a:r>
-            <a:r>
-              <a:rPr lang="zh-TW" altLang="en-US" sz="6000" dirty="0">
-                <a:latin typeface="標楷體" pitchFamily="65" charset="-120"/>
-                <a:ea typeface="標楷體" pitchFamily="65" charset="-120"/>
-              </a:rPr>
-              <a:t>我實在告訴你，今日你要同我</a:t>
-            </a:r>
-            <a:r>
-              <a:rPr lang="zh-TW" altLang="en-US" sz="6000" dirty="0" smtClean="0">
-                <a:latin typeface="標楷體" pitchFamily="65" charset="-120"/>
-                <a:ea typeface="標楷體" pitchFamily="65" charset="-120"/>
-              </a:rPr>
-              <a:t>在</a:t>
-            </a:r>
-            <a:r>
-              <a:rPr lang="zh-CN" altLang="en-US" sz="6000" dirty="0">
-                <a:latin typeface="標楷體" pitchFamily="65" charset="-120"/>
-                <a:ea typeface="標楷體" pitchFamily="65" charset="-120"/>
-              </a:rPr>
-              <a:t>樂園</a:t>
-            </a:r>
-            <a:r>
-              <a:rPr lang="zh-TW" altLang="en-US" sz="6000" dirty="0" smtClean="0">
-                <a:latin typeface="標楷體" pitchFamily="65" charset="-120"/>
-                <a:ea typeface="標楷體" pitchFamily="65" charset="-120"/>
-              </a:rPr>
-              <a:t>里</a:t>
-            </a:r>
-            <a:r>
-              <a:rPr lang="zh-TW" altLang="en-US" sz="6000" dirty="0">
-                <a:latin typeface="標楷體" pitchFamily="65" charset="-120"/>
-                <a:ea typeface="標楷體" pitchFamily="65" charset="-120"/>
-              </a:rPr>
-              <a:t>了。</a:t>
             </a:r>
             <a:r>
               <a:rPr lang="zh-TW" altLang="en-US" sz="6000" dirty="0" smtClean="0">
@@ -4150,7 +4113,7 @@
         <p:spPr>
           <a:xfrm>
             <a:off x="500034" y="0"/>
-            <a:ext cx="8229600" cy="1143000"/>
+            <a:ext cx="8229600" cy="857250"/>
           </a:xfrm>
         </p:spPr>
         <p:txBody>
@@ -4183,8 +4146,8 @@
         </p:nvSpPr>
         <p:spPr>
           <a:xfrm>
-            <a:off x="0" y="1000109"/>
-            <a:ext cx="9144000" cy="5857892"/>
+            <a:off x="0" y="750082"/>
+            <a:ext cx="9144000" cy="4393419"/>
           </a:xfrm>
         </p:spPr>
         <p:txBody>
@@ -4193,41 +4156,70 @@
           </a:bodyPr>
           <a:lstStyle/>
           <a:p>
+            <a:r>
+              <a:rPr lang="zh-CN" altLang="en-US" sz="6000" smtClean="0">
+                <a:latin typeface="標楷體" pitchFamily="65" charset="-120"/>
+                <a:ea typeface="標楷體" pitchFamily="65" charset="-120"/>
+              </a:rPr>
+              <a:t>第二</a:t>
+            </a:r>
             <a:r>
               <a:rPr lang="zh-CN" altLang="en-US" sz="6000" dirty="0" smtClean="0">
                 <a:latin typeface="標楷體" pitchFamily="65" charset="-120"/>
                 <a:ea typeface="標楷體" pitchFamily="65" charset="-120"/>
               </a:rPr>
-              <a:t>第三言：母親、看你的兒子</a:t>
-            </a:r>
-            <a:r>
-              <a:rPr lang="en-US" altLang="zh-CN" sz="6000" dirty="0" smtClean="0">
+              <a:t>言：</a:t>
+            </a:r>
+            <a:r>
+              <a:rPr lang="zh-TW" altLang="en-US" sz="6000" dirty="0" smtClean="0">
                 <a:latin typeface="標楷體" pitchFamily="65" charset="-120"/>
                 <a:ea typeface="標楷體" pitchFamily="65" charset="-120"/>
               </a:rPr>
-              <a:t>……</a:t>
-            </a:r>
-            <a:r>
-              <a:rPr lang="zh-CN" altLang="en-US" sz="6000" dirty="0" smtClean="0">
+              <a:t>「</a:t>
+            </a:r>
+            <a:r>
+              <a:rPr lang="zh-TW" altLang="en-US" sz="6000" dirty="0">
                 <a:latin typeface="標楷體" pitchFamily="65" charset="-120"/>
                 <a:ea typeface="標楷體" pitchFamily="65" charset="-120"/>
               </a:rPr>
-              <a:t>看你的母親</a:t>
-            </a:r>
-            <a:endParaRPr lang="en-US" altLang="zh-CN" sz="6000" dirty="0" smtClean="0">
-              <a:latin typeface="標楷體" pitchFamily="65" charset="-120"/>
-              <a:ea typeface="標楷體" pitchFamily="65" charset="-120"/>
-            </a:endParaRPr>
-          </a:p>
-          <a:p>
-            <a:r>
-              <a:rPr lang="zh-CN" altLang="en-US" sz="6000" dirty="0" smtClean="0">
+              <a:t>我實在告訴你，今日你要同我</a:t>
+            </a:r>
+            <a:r>
+              <a:rPr lang="zh-TW" altLang="en-US" sz="6000" dirty="0" smtClean="0">
                 <a:latin typeface="標楷體" pitchFamily="65" charset="-120"/>
                 <a:ea typeface="標楷體" pitchFamily="65" charset="-120"/>
               </a:rPr>
-              <a:t>第四言：我的神、我的神、為什麼離棄我</a:t>
-            </a:r>
-            <a:endParaRPr lang="en-US" altLang="zh-CN" sz="6000" dirty="0" smtClean="0">
+              <a:t>在</a:t>
+            </a:r>
+            <a:r>
+              <a:rPr lang="zh-CN" altLang="en-US" sz="6000" dirty="0">
+                <a:latin typeface="標楷體" pitchFamily="65" charset="-120"/>
+                <a:ea typeface="標楷體" pitchFamily="65" charset="-120"/>
+              </a:rPr>
+              <a:t>樂園</a:t>
+            </a:r>
+            <a:r>
+              <a:rPr lang="zh-TW" altLang="en-US" sz="6000" dirty="0" smtClean="0">
+                <a:latin typeface="標楷體" pitchFamily="65" charset="-120"/>
+                <a:ea typeface="標楷體" pitchFamily="65" charset="-120"/>
+              </a:rPr>
+              <a:t>里</a:t>
+            </a:r>
+            <a:r>
+              <a:rPr lang="zh-TW" altLang="en-US" sz="6000" dirty="0">
+                <a:latin typeface="標楷體" pitchFamily="65" charset="-120"/>
+                <a:ea typeface="標楷體" pitchFamily="65" charset="-120"/>
+              </a:rPr>
+              <a:t>了。</a:t>
+            </a:r>
+            <a:r>
+              <a:rPr lang="zh-TW" altLang="en-US" sz="6000" dirty="0" smtClean="0">
+                <a:latin typeface="標楷體" pitchFamily="65" charset="-120"/>
+                <a:ea typeface="標楷體" pitchFamily="65" charset="-120"/>
+              </a:rPr>
+              <a:t>」</a:t>
+            </a:r>
+            <a:endParaRPr lang="zh-TW" altLang="en-US" sz="6000" dirty="0">
               <a:latin typeface="標楷體" pitchFamily="65" charset="-120"/>
               <a:ea typeface="標楷體" pitchFamily="65" charset="-120"/>
             </a:endParaRPr>
@@ -4272,7 +4264,7 @@
         <p:spPr>
           <a:xfrm>
             <a:off x="500034" y="0"/>
-            <a:ext cx="8229600" cy="1143000"/>
+            <a:ext cx="8229600" cy="857250"/>
           </a:xfrm>
         </p:spPr>
         <p:txBody>
@@ -4305,8 +4297,130 @@
         </p:nvSpPr>
         <p:spPr>
           <a:xfrm>
-            <a:off x="0" y="1000109"/>
-            <a:ext cx="9144000" cy="5857892"/>
+            <a:off x="0" y="750082"/>
+            <a:ext cx="9144000" cy="4393419"/>
+          </a:xfrm>
+        </p:spPr>
+        <p:txBody>
+          <a:bodyPr>
+            <a:noAutofit/>
+          </a:bodyPr>
+          <a:lstStyle/>
+          <a:p>
+            <a:r>
+              <a:rPr lang="zh-CN" altLang="en-US" sz="6000" dirty="0" smtClean="0">
+                <a:latin typeface="標楷體" pitchFamily="65" charset="-120"/>
+                <a:ea typeface="標楷體" pitchFamily="65" charset="-120"/>
+              </a:rPr>
+              <a:t>第三言：母親、看你的兒子</a:t>
+            </a:r>
+            <a:r>
+              <a:rPr lang="en-US" altLang="zh-CN" sz="6000" dirty="0" smtClean="0">
+                <a:latin typeface="標楷體" pitchFamily="65" charset="-120"/>
+                <a:ea typeface="標楷體" pitchFamily="65" charset="-120"/>
+              </a:rPr>
+              <a:t>……</a:t>
+            </a:r>
+            <a:r>
+              <a:rPr lang="zh-CN" altLang="en-US" sz="6000" dirty="0" smtClean="0">
+                <a:latin typeface="標楷體" pitchFamily="65" charset="-120"/>
+                <a:ea typeface="標楷體" pitchFamily="65" charset="-120"/>
+              </a:rPr>
+              <a:t>看你的母親</a:t>
+            </a:r>
+            <a:endParaRPr lang="en-US" altLang="zh-CN" sz="6000" dirty="0" smtClean="0">
+              <a:latin typeface="標楷體" pitchFamily="65" charset="-120"/>
+              <a:ea typeface="標楷體" pitchFamily="65" charset="-120"/>
+            </a:endParaRPr>
+          </a:p>
+          <a:p>
+            <a:r>
+              <a:rPr lang="zh-CN" altLang="en-US" sz="6000" dirty="0" smtClean="0">
+                <a:latin typeface="標楷體" pitchFamily="65" charset="-120"/>
+                <a:ea typeface="標楷體" pitchFamily="65" charset="-120"/>
+              </a:rPr>
+              <a:t>第四言：我的神、我的神、為什麼離棄我</a:t>
+            </a:r>
+            <a:endParaRPr lang="en-US" altLang="zh-CN" sz="6000" dirty="0" smtClean="0">
+              <a:latin typeface="標楷體" pitchFamily="65" charset="-120"/>
+              <a:ea typeface="標楷體" pitchFamily="65" charset="-120"/>
+            </a:endParaRPr>
+          </a:p>
+        </p:txBody>
+      </p:sp>
+    </p:spTree>
+  </p:cSld>
+  <p:clrMapOvr>
+    <a:masterClrMapping/>
+  </p:clrMapOvr>
+</p:sld>
+</file>
+
+<file path=ppt/slides/slide4.xml><?xml version="1.0" encoding="utf-8"?>
+<p:sld xmlns:a="http://schemas.openxmlformats.org/drawingml/2006/main" xmlns:r="http://schemas.openxmlformats.org/officeDocument/2006/relationships" xmlns:p="http://schemas.openxmlformats.org/presentationml/2006/main">
+  <p:cSld>
+    <p:spTree>
+      <p:nvGrpSpPr>
+        <p:cNvPr id="1" name=""/>
+        <p:cNvGrpSpPr/>
+        <p:nvPr/>
+      </p:nvGrpSpPr>
+      <p:grpSpPr>
+        <a:xfrm>
+          <a:off x="0" y="0"/>
+          <a:ext cx="0" cy="0"/>
+          <a:chOff x="0" y="0"/>
+          <a:chExt cx="0" cy="0"/>
+        </a:xfrm>
+      </p:grpSpPr>
+      <p:sp>
+        <p:nvSpPr>
+          <p:cNvPr id="4" name="標題 3"/>
+          <p:cNvSpPr>
+            <a:spLocks noGrp="1"/>
+          </p:cNvSpPr>
+          <p:nvPr>
+            <p:ph type="title"/>
+          </p:nvPr>
+        </p:nvSpPr>
+        <p:spPr>
+          <a:xfrm>
+            <a:off x="500034" y="0"/>
+            <a:ext cx="8229600" cy="857250"/>
+          </a:xfrm>
+        </p:spPr>
+        <p:txBody>
+          <a:bodyPr/>
+          <a:lstStyle/>
+          <a:p>
+            <a:r>
+              <a:rPr lang="zh-CN" altLang="en-US" dirty="0" smtClean="0">
+                <a:latin typeface="標楷體" pitchFamily="65" charset="-120"/>
+                <a:ea typeface="標楷體" pitchFamily="65" charset="-120"/>
+              </a:rPr>
+              <a:t>十架七言</a:t>
+            </a:r>
+            <a:endParaRPr lang="zh-TW" altLang="en-US" dirty="0">
+              <a:latin typeface="標楷體" pitchFamily="65" charset="-120"/>
+              <a:ea typeface="標楷體" pitchFamily="65" charset="-120"/>
+            </a:endParaRPr>
+          </a:p>
+        </p:txBody>
+      </p:sp>
+      <p:sp>
+        <p:nvSpPr>
+          <p:cNvPr id="5" name="內容版面配置區 4"/>
+          <p:cNvSpPr>
+            <a:spLocks noGrp="1"/>
+          </p:cNvSpPr>
+          <p:nvPr>
+            <p:ph idx="1"/>
+          </p:nvPr>
+        </p:nvSpPr>
+        <p:spPr>
+          <a:xfrm>
+            <a:off x="0" y="750082"/>
+            <a:ext cx="9144000" cy="4393419"/>
           </a:xfrm>
         </p:spPr>
         <p:txBody>
